--- a/tweet_data/media/HIP/HIP15.pptx
+++ b/tweet_data/media/HIP/HIP15.pptx
@@ -214,7 +214,7 @@
           <a:p>
             <a:fld id="{762B48F5-BACC-47D6-A0F7-82FBF9C6BC85}" type="datetimeFigureOut">
               <a:rPr lang="en-US"/>
-              <a:t>7/19/2021</a:t>
+              <a:t>10/5/2021</a:t>
             </a:fld>
             <a:endParaRPr/>
           </a:p>
@@ -379,7 +379,7 @@
           <a:p>
             <a:fld id="{0CB1CD00-5424-4675-AB18-2C419B060449}" type="datetimeFigureOut">
               <a:rPr lang="en-US"/>
-              <a:t>7/19/2021</a:t>
+              <a:t>10/5/2021</a:t>
             </a:fld>
             <a:endParaRPr/>
           </a:p>
@@ -1016,7 +1016,7 @@
           <a:p>
             <a:fld id="{37CC0096-1860-4642-9CD2-0079EA5E7CD1}" type="datetimeFigureOut">
               <a:rPr lang="en-US" smtClean="0"/>
-              <a:t>7/19/2021</a:t>
+              <a:t>10/5/2021</a:t>
             </a:fld>
             <a:endParaRPr lang="en-US"/>
           </a:p>
@@ -1196,7 +1196,7 @@
           <a:p>
             <a:fld id="{37CC0096-1860-4642-9CD2-0079EA5E7CD1}" type="datetimeFigureOut">
               <a:rPr lang="en-US" smtClean="0"/>
-              <a:t>7/19/2021</a:t>
+              <a:t>10/5/2021</a:t>
             </a:fld>
             <a:endParaRPr lang="en-US"/>
           </a:p>
@@ -1370,7 +1370,7 @@
           <a:p>
             <a:fld id="{37CC0096-1860-4642-9CD2-0079EA5E7CD1}" type="datetimeFigureOut">
               <a:rPr lang="en-US" smtClean="0"/>
-              <a:t>7/19/2021</a:t>
+              <a:t>10/5/2021</a:t>
             </a:fld>
             <a:endParaRPr lang="en-US"/>
           </a:p>
@@ -1805,7 +1805,7 @@
           <a:p>
             <a:fld id="{37CC0096-1860-4642-9CD2-0079EA5E7CD1}" type="datetimeFigureOut">
               <a:rPr lang="en-US" smtClean="0"/>
-              <a:t>7/19/2021</a:t>
+              <a:t>10/5/2021</a:t>
             </a:fld>
             <a:endParaRPr lang="en-US"/>
           </a:p>
@@ -2245,7 +2245,7 @@
           <a:p>
             <a:fld id="{37CC0096-1860-4642-9CD2-0079EA5E7CD1}" type="datetimeFigureOut">
               <a:rPr lang="en-US" smtClean="0"/>
-              <a:t>7/19/2021</a:t>
+              <a:t>10/5/2021</a:t>
             </a:fld>
             <a:endParaRPr lang="en-US"/>
           </a:p>
@@ -2363,7 +2363,7 @@
           <a:p>
             <a:fld id="{37CC0096-1860-4642-9CD2-0079EA5E7CD1}" type="datetimeFigureOut">
               <a:rPr lang="en-US" smtClean="0"/>
-              <a:t>7/19/2021</a:t>
+              <a:t>10/5/2021</a:t>
             </a:fld>
             <a:endParaRPr lang="en-US"/>
           </a:p>
@@ -2458,7 +2458,7 @@
           <a:p>
             <a:fld id="{37CC0096-1860-4642-9CD2-0079EA5E7CD1}" type="datetimeFigureOut">
               <a:rPr lang="en-US" smtClean="0"/>
-              <a:t>7/19/2021</a:t>
+              <a:t>10/5/2021</a:t>
             </a:fld>
             <a:endParaRPr lang="en-US"/>
           </a:p>
@@ -2742,7 +2742,7 @@
           <a:p>
             <a:fld id="{37CC0096-1860-4642-9CD2-0079EA5E7CD1}" type="datetimeFigureOut">
               <a:rPr lang="en-US" smtClean="0"/>
-              <a:t>7/19/2021</a:t>
+              <a:t>10/5/2021</a:t>
             </a:fld>
             <a:endParaRPr lang="en-US"/>
           </a:p>
@@ -3055,7 +3055,7 @@
           <a:p>
             <a:fld id="{37CC0096-1860-4642-9CD2-0079EA5E7CD1}" type="datetimeFigureOut">
               <a:rPr lang="en-US" smtClean="0"/>
-              <a:t>7/19/2021</a:t>
+              <a:t>10/5/2021</a:t>
             </a:fld>
             <a:endParaRPr lang="en-US"/>
           </a:p>
@@ -3317,7 +3317,7 @@
             <a:fld id="{37CC0096-1860-4642-9CD2-0079EA5E7CD1}" type="datetimeFigureOut">
               <a:rPr lang="en-US" smtClean="0"/>
               <a:pPr/>
-              <a:t>7/19/2021</a:t>
+              <a:t>10/5/2021</a:t>
             </a:fld>
             <a:endParaRPr lang="en-US"/>
           </a:p>
@@ -3806,12 +3806,12 @@
         </p:spPr>
         <p:txBody>
           <a:bodyPr>
-            <a:normAutofit/>
+            <a:noAutofit/>
           </a:bodyPr>
           <a:lstStyle/>
           <a:p>
             <a:r>
-              <a:rPr lang="en-US" sz="3600" b="1" dirty="0">
+              <a:rPr lang="en-US" sz="4400" b="1" dirty="0">
                 <a:solidFill>
                   <a:schemeClr val="tx1">
                     <a:lumMod val="95000"/>
@@ -3820,7 +3820,7 @@
               </a:rPr>
               <a:t>HIP-15: Validator Governance Participation Indicator</a:t>
             </a:r>
-            <a:endParaRPr sz="3600" b="1" dirty="0">
+            <a:endParaRPr sz="4400" b="1" dirty="0">
               <a:solidFill>
                 <a:schemeClr val="tx1">
                   <a:lumMod val="95000"/>
@@ -3987,7 +3987,7 @@
         <p:spPr>
           <a:xfrm>
             <a:off x="28575" y="-228600"/>
-            <a:ext cx="12163425" cy="2092881"/>
+            <a:ext cx="11706225" cy="2092881"/>
           </a:xfrm>
           <a:prstGeom prst="rect">
             <a:avLst/>
@@ -4003,6 +4003,79 @@
             <a:pPr algn="ctr"/>
             <a:r>
               <a:rPr lang="en-US" sz="13000" b="1" dirty="0" smtClean="0">
+                <a:ln w="12700">
+                  <a:noFill/>
+                  <a:prstDash val="solid"/>
+                </a:ln>
+                <a:solidFill>
+                  <a:srgbClr val="FF0000"/>
+                </a:solidFill>
+                <a:effectLst>
+                  <a:glow rad="203200">
+                    <a:schemeClr val="tx1">
+                      <a:alpha val="68000"/>
+                    </a:schemeClr>
+                  </a:glow>
+                  <a:innerShdw blurRad="63500" dir="4440000">
+                    <a:schemeClr val="tx2">
+                      <a:lumMod val="50000"/>
+                      <a:alpha val="50000"/>
+                    </a:schemeClr>
+                  </a:innerShdw>
+                </a:effectLst>
+              </a:rPr>
+              <a:t>V-Dao Vote</a:t>
+            </a:r>
+            <a:endParaRPr lang="en-US" sz="13000" b="1" dirty="0">
+              <a:ln w="12700">
+                <a:noFill/>
+                <a:prstDash val="solid"/>
+              </a:ln>
+              <a:solidFill>
+                <a:srgbClr val="FF0000"/>
+              </a:solidFill>
+              <a:effectLst>
+                <a:glow rad="203200">
+                  <a:schemeClr val="tx1">
+                    <a:alpha val="68000"/>
+                  </a:schemeClr>
+                </a:glow>
+                <a:innerShdw blurRad="63500" dir="4440000">
+                  <a:schemeClr val="tx2">
+                    <a:lumMod val="50000"/>
+                    <a:alpha val="50000"/>
+                  </a:schemeClr>
+                </a:innerShdw>
+              </a:effectLst>
+            </a:endParaRPr>
+          </a:p>
+        </p:txBody>
+      </p:sp>
+      <p:sp>
+        <p:nvSpPr>
+          <p:cNvPr id="6" name="Rectangle 5"/>
+          <p:cNvSpPr/>
+          <p:nvPr/>
+        </p:nvSpPr>
+        <p:spPr>
+          <a:xfrm>
+            <a:off x="0" y="5934670"/>
+            <a:ext cx="12192000" cy="923330"/>
+          </a:xfrm>
+          <a:prstGeom prst="rect">
+            <a:avLst/>
+          </a:prstGeom>
+          <a:noFill/>
+        </p:spPr>
+        <p:txBody>
+          <a:bodyPr wrap="square" lIns="91440" tIns="45720" rIns="91440" bIns="45720">
+            <a:spAutoFit/>
+          </a:bodyPr>
+          <a:lstStyle/>
+          <a:p>
+            <a:pPr algn="ctr"/>
+            <a:r>
+              <a:rPr lang="en-US" sz="5400" b="1" dirty="0" smtClean="0">
                 <a:ln w="12700">
                   <a:noFill/>
                   <a:prstDash val="solid"/>
@@ -4024,9 +4097,34 @@
                   </a:innerShdw>
                 </a:effectLst>
               </a:rPr>
-              <a:t>HIP-15</a:t>
-            </a:r>
-            <a:endParaRPr lang="en-US" sz="13000" b="1" dirty="0">
+              <a:t>gov</a:t>
+            </a:r>
+            <a:r>
+              <a:rPr lang="en-US" sz="5400" b="1" dirty="0" smtClean="0">
+                <a:ln w="12700">
+                  <a:noFill/>
+                  <a:prstDash val="solid"/>
+                </a:ln>
+                <a:solidFill>
+                  <a:schemeClr val="bg1"/>
+                </a:solidFill>
+                <a:effectLst>
+                  <a:glow rad="203200">
+                    <a:schemeClr val="tx1">
+                      <a:alpha val="68000"/>
+                    </a:schemeClr>
+                  </a:glow>
+                  <a:innerShdw blurRad="63500" dir="4440000">
+                    <a:schemeClr val="tx2">
+                      <a:lumMod val="50000"/>
+                      <a:alpha val="50000"/>
+                    </a:schemeClr>
+                  </a:innerShdw>
+                </a:effectLst>
+              </a:rPr>
+              <a:t>.harmony.one</a:t>
+            </a:r>
+            <a:endParaRPr lang="en-US" sz="5400" b="1" dirty="0">
               <a:ln w="12700">
                 <a:noFill/>
                 <a:prstDash val="solid"/>
@@ -4048,57 +4146,6 @@
                 </a:innerShdw>
               </a:effectLst>
             </a:endParaRPr>
-          </a:p>
-        </p:txBody>
-      </p:sp>
-      <p:sp>
-        <p:nvSpPr>
-          <p:cNvPr id="6" name="Rectangle 5"/>
-          <p:cNvSpPr/>
-          <p:nvPr/>
-        </p:nvSpPr>
-        <p:spPr>
-          <a:xfrm>
-            <a:off x="0" y="5934670"/>
-            <a:ext cx="12192000" cy="923330"/>
-          </a:xfrm>
-          <a:prstGeom prst="rect">
-            <a:avLst/>
-          </a:prstGeom>
-          <a:noFill/>
-        </p:spPr>
-        <p:txBody>
-          <a:bodyPr wrap="square" lIns="91440" tIns="45720" rIns="91440" bIns="45720">
-            <a:spAutoFit/>
-          </a:bodyPr>
-          <a:lstStyle/>
-          <a:p>
-            <a:pPr algn="ctr"/>
-            <a:r>
-              <a:rPr lang="en-US" sz="5400" b="1" dirty="0">
-                <a:ln w="12700">
-                  <a:noFill/>
-                  <a:prstDash val="solid"/>
-                </a:ln>
-                <a:solidFill>
-                  <a:schemeClr val="bg1"/>
-                </a:solidFill>
-                <a:effectLst>
-                  <a:glow rad="203200">
-                    <a:schemeClr val="tx1">
-                      <a:alpha val="68000"/>
-                    </a:schemeClr>
-                  </a:glow>
-                  <a:innerShdw blurRad="63500" dir="4440000">
-                    <a:schemeClr val="tx2">
-                      <a:lumMod val="50000"/>
-                      <a:alpha val="50000"/>
-                    </a:schemeClr>
-                  </a:innerShdw>
-                </a:effectLst>
-              </a:rPr>
-              <a:t>talk.harmony.one</a:t>
-            </a:r>
           </a:p>
         </p:txBody>
       </p:sp>
